--- a/Slides/28. Armazenamento e Referências.pptx
+++ b/Slides/28. Armazenamento e Referências.pptx
@@ -163,13 +163,438 @@
 <file path=ppt/revisionInfo.xml><?xml version="1.0" encoding="utf-8"?>
 <p1510:revInfo xmlns:a="http://schemas.openxmlformats.org/drawingml/2006/main" xmlns:r="http://schemas.openxmlformats.org/officeDocument/2006/relationships" xmlns:p1510="http://schemas.microsoft.com/office/powerpoint/2015/10/main">
   <p1510:revLst>
-    <p1510:client id="{4DD53D4E-3B97-4172-B358-A07E2685FC77}" v="6" dt="2019-10-01T23:46:02.157"/>
+    <p1510:client id="{281ED2C4-0987-4465-A3A1-3334B7ADF49F}" v="11" dt="2021-05-31T17:39:08.921"/>
   </p1510:revLst>
 </p1510:revInfo>
 </file>
 
 <file path=ppt/changesInfos/changesInfo1.xml><?xml version="1.0" encoding="utf-8"?>
 <pc:chgInfo xmlns:a="http://schemas.openxmlformats.org/drawingml/2006/main" xmlns:r="http://schemas.openxmlformats.org/officeDocument/2006/relationships" xmlns:ac="http://schemas.microsoft.com/office/drawing/2013/main/command" xmlns:pc="http://schemas.microsoft.com/office/powerpoint/2013/main/command">
+  <pc:docChgLst>
+    <pc:chgData name="Judson Santiago" userId="ebb108da2f256286" providerId="LiveId" clId="{4DD53D4E-3B97-4172-B358-A07E2685FC77}"/>
+    <pc:docChg chg="undo custSel modSld">
+      <pc:chgData name="Judson Santiago" userId="ebb108da2f256286" providerId="LiveId" clId="{4DD53D4E-3B97-4172-B358-A07E2685FC77}" dt="2019-10-02T00:47:20.502" v="142" actId="6549"/>
+      <pc:docMkLst>
+        <pc:docMk/>
+      </pc:docMkLst>
+      <pc:sldChg chg="modSp">
+        <pc:chgData name="Judson Santiago" userId="ebb108da2f256286" providerId="LiveId" clId="{4DD53D4E-3B97-4172-B358-A07E2685FC77}" dt="2019-10-01T23:44:35.199" v="20" actId="1036"/>
+        <pc:sldMkLst>
+          <pc:docMk/>
+          <pc:sldMk cId="2534464719" sldId="325"/>
+        </pc:sldMkLst>
+        <pc:spChg chg="mod">
+          <ac:chgData name="Judson Santiago" userId="ebb108da2f256286" providerId="LiveId" clId="{4DD53D4E-3B97-4172-B358-A07E2685FC77}" dt="2019-10-01T23:44:25.698" v="19" actId="20577"/>
+          <ac:spMkLst>
+            <pc:docMk/>
+            <pc:sldMk cId="2534464719" sldId="325"/>
+            <ac:spMk id="3" creationId="{00000000-0000-0000-0000-000000000000}"/>
+          </ac:spMkLst>
+        </pc:spChg>
+        <pc:spChg chg="mod">
+          <ac:chgData name="Judson Santiago" userId="ebb108da2f256286" providerId="LiveId" clId="{4DD53D4E-3B97-4172-B358-A07E2685FC77}" dt="2019-10-01T23:44:35.199" v="20" actId="1036"/>
+          <ac:spMkLst>
+            <pc:docMk/>
+            <pc:sldMk cId="2534464719" sldId="325"/>
+            <ac:spMk id="4" creationId="{00000000-0000-0000-0000-000000000000}"/>
+          </ac:spMkLst>
+        </pc:spChg>
+        <pc:spChg chg="mod">
+          <ac:chgData name="Judson Santiago" userId="ebb108da2f256286" providerId="LiveId" clId="{4DD53D4E-3B97-4172-B358-A07E2685FC77}" dt="2019-10-01T23:44:35.199" v="20" actId="1036"/>
+          <ac:spMkLst>
+            <pc:docMk/>
+            <pc:sldMk cId="2534464719" sldId="325"/>
+            <ac:spMk id="5" creationId="{00000000-0000-0000-0000-000000000000}"/>
+          </ac:spMkLst>
+        </pc:spChg>
+      </pc:sldChg>
+      <pc:sldChg chg="modSp">
+        <pc:chgData name="Judson Santiago" userId="ebb108da2f256286" providerId="LiveId" clId="{4DD53D4E-3B97-4172-B358-A07E2685FC77}" dt="2019-10-01T23:46:08.265" v="77" actId="1076"/>
+        <pc:sldMkLst>
+          <pc:docMk/>
+          <pc:sldMk cId="741854910" sldId="327"/>
+        </pc:sldMkLst>
+        <pc:spChg chg="mod">
+          <ac:chgData name="Judson Santiago" userId="ebb108da2f256286" providerId="LiveId" clId="{4DD53D4E-3B97-4172-B358-A07E2685FC77}" dt="2019-10-01T23:46:02.156" v="76" actId="207"/>
+          <ac:spMkLst>
+            <pc:docMk/>
+            <pc:sldMk cId="741854910" sldId="327"/>
+            <ac:spMk id="3" creationId="{00000000-0000-0000-0000-000000000000}"/>
+          </ac:spMkLst>
+        </pc:spChg>
+        <pc:spChg chg="mod">
+          <ac:chgData name="Judson Santiago" userId="ebb108da2f256286" providerId="LiveId" clId="{4DD53D4E-3B97-4172-B358-A07E2685FC77}" dt="2019-10-01T23:46:08.265" v="77" actId="1076"/>
+          <ac:spMkLst>
+            <pc:docMk/>
+            <pc:sldMk cId="741854910" sldId="327"/>
+            <ac:spMk id="5" creationId="{00000000-0000-0000-0000-000000000000}"/>
+          </ac:spMkLst>
+        </pc:spChg>
+      </pc:sldChg>
+      <pc:sldChg chg="modSp">
+        <pc:chgData name="Judson Santiago" userId="ebb108da2f256286" providerId="LiveId" clId="{4DD53D4E-3B97-4172-B358-A07E2685FC77}" dt="2019-10-01T23:47:12.941" v="78" actId="6549"/>
+        <pc:sldMkLst>
+          <pc:docMk/>
+          <pc:sldMk cId="3471020835" sldId="328"/>
+        </pc:sldMkLst>
+        <pc:spChg chg="mod">
+          <ac:chgData name="Judson Santiago" userId="ebb108da2f256286" providerId="LiveId" clId="{4DD53D4E-3B97-4172-B358-A07E2685FC77}" dt="2019-10-01T23:47:12.941" v="78" actId="6549"/>
+          <ac:spMkLst>
+            <pc:docMk/>
+            <pc:sldMk cId="3471020835" sldId="328"/>
+            <ac:spMk id="3" creationId="{00000000-0000-0000-0000-000000000000}"/>
+          </ac:spMkLst>
+        </pc:spChg>
+      </pc:sldChg>
+      <pc:sldChg chg="modSp">
+        <pc:chgData name="Judson Santiago" userId="ebb108da2f256286" providerId="LiveId" clId="{4DD53D4E-3B97-4172-B358-A07E2685FC77}" dt="2019-10-02T00:39:00.065" v="86" actId="15"/>
+        <pc:sldMkLst>
+          <pc:docMk/>
+          <pc:sldMk cId="3031936815" sldId="337"/>
+        </pc:sldMkLst>
+        <pc:spChg chg="mod">
+          <ac:chgData name="Judson Santiago" userId="ebb108da2f256286" providerId="LiveId" clId="{4DD53D4E-3B97-4172-B358-A07E2685FC77}" dt="2019-10-02T00:39:00.065" v="86" actId="15"/>
+          <ac:spMkLst>
+            <pc:docMk/>
+            <pc:sldMk cId="3031936815" sldId="337"/>
+            <ac:spMk id="4" creationId="{00000000-0000-0000-0000-000000000000}"/>
+          </ac:spMkLst>
+        </pc:spChg>
+      </pc:sldChg>
+      <pc:sldChg chg="modSp">
+        <pc:chgData name="Judson Santiago" userId="ebb108da2f256286" providerId="LiveId" clId="{4DD53D4E-3B97-4172-B358-A07E2685FC77}" dt="2019-10-02T00:38:35.271" v="84" actId="20577"/>
+        <pc:sldMkLst>
+          <pc:docMk/>
+          <pc:sldMk cId="1753192751" sldId="338"/>
+        </pc:sldMkLst>
+        <pc:spChg chg="mod">
+          <ac:chgData name="Judson Santiago" userId="ebb108da2f256286" providerId="LiveId" clId="{4DD53D4E-3B97-4172-B358-A07E2685FC77}" dt="2019-10-02T00:38:35.271" v="84" actId="20577"/>
+          <ac:spMkLst>
+            <pc:docMk/>
+            <pc:sldMk cId="1753192751" sldId="338"/>
+            <ac:spMk id="4" creationId="{00000000-0000-0000-0000-000000000000}"/>
+          </ac:spMkLst>
+        </pc:spChg>
+      </pc:sldChg>
+      <pc:sldChg chg="modSp">
+        <pc:chgData name="Judson Santiago" userId="ebb108da2f256286" providerId="LiveId" clId="{4DD53D4E-3B97-4172-B358-A07E2685FC77}" dt="2019-10-01T23:16:52.274" v="5" actId="20577"/>
+        <pc:sldMkLst>
+          <pc:docMk/>
+          <pc:sldMk cId="1917907881" sldId="345"/>
+        </pc:sldMkLst>
+        <pc:spChg chg="mod">
+          <ac:chgData name="Judson Santiago" userId="ebb108da2f256286" providerId="LiveId" clId="{4DD53D4E-3B97-4172-B358-A07E2685FC77}" dt="2019-10-01T23:16:52.274" v="5" actId="20577"/>
+          <ac:spMkLst>
+            <pc:docMk/>
+            <pc:sldMk cId="1917907881" sldId="345"/>
+            <ac:spMk id="3" creationId="{00000000-0000-0000-0000-000000000000}"/>
+          </ac:spMkLst>
+        </pc:spChg>
+      </pc:sldChg>
+      <pc:sldChg chg="modNotesTx">
+        <pc:chgData name="Judson Santiago" userId="ebb108da2f256286" providerId="LiveId" clId="{4DD53D4E-3B97-4172-B358-A07E2685FC77}" dt="2019-10-02T00:44:50.247" v="124" actId="20577"/>
+        <pc:sldMkLst>
+          <pc:docMk/>
+          <pc:sldMk cId="3022162703" sldId="350"/>
+        </pc:sldMkLst>
+      </pc:sldChg>
+      <pc:sldChg chg="modNotesTx">
+        <pc:chgData name="Judson Santiago" userId="ebb108da2f256286" providerId="LiveId" clId="{4DD53D4E-3B97-4172-B358-A07E2685FC77}" dt="2019-10-02T00:47:20.502" v="142" actId="6549"/>
+        <pc:sldMkLst>
+          <pc:docMk/>
+          <pc:sldMk cId="516857775" sldId="352"/>
+        </pc:sldMkLst>
+      </pc:sldChg>
+      <pc:sldChg chg="modSp">
+        <pc:chgData name="Judson Santiago" userId="ebb108da2f256286" providerId="LiveId" clId="{4DD53D4E-3B97-4172-B358-A07E2685FC77}" dt="2019-10-01T23:29:37.062" v="10" actId="207"/>
+        <pc:sldMkLst>
+          <pc:docMk/>
+          <pc:sldMk cId="1165547700" sldId="354"/>
+        </pc:sldMkLst>
+        <pc:spChg chg="mod">
+          <ac:chgData name="Judson Santiago" userId="ebb108da2f256286" providerId="LiveId" clId="{4DD53D4E-3B97-4172-B358-A07E2685FC77}" dt="2019-10-01T23:29:28.945" v="6" actId="207"/>
+          <ac:spMkLst>
+            <pc:docMk/>
+            <pc:sldMk cId="1165547700" sldId="354"/>
+            <ac:spMk id="6" creationId="{00000000-0000-0000-0000-000000000000}"/>
+          </ac:spMkLst>
+        </pc:spChg>
+        <pc:spChg chg="mod">
+          <ac:chgData name="Judson Santiago" userId="ebb108da2f256286" providerId="LiveId" clId="{4DD53D4E-3B97-4172-B358-A07E2685FC77}" dt="2019-10-01T23:29:37.062" v="10" actId="207"/>
+          <ac:spMkLst>
+            <pc:docMk/>
+            <pc:sldMk cId="1165547700" sldId="354"/>
+            <ac:spMk id="7" creationId="{E9A5E623-8D45-43AB-B164-0380194D390C}"/>
+          </ac:spMkLst>
+        </pc:spChg>
+      </pc:sldChg>
+      <pc:sldChg chg="modSp">
+        <pc:chgData name="Judson Santiago" userId="ebb108da2f256286" providerId="LiveId" clId="{4DD53D4E-3B97-4172-B358-A07E2685FC77}" dt="2019-10-01T23:15:17.313" v="3" actId="20577"/>
+        <pc:sldMkLst>
+          <pc:docMk/>
+          <pc:sldMk cId="191050624" sldId="358"/>
+        </pc:sldMkLst>
+        <pc:spChg chg="mod">
+          <ac:chgData name="Judson Santiago" userId="ebb108da2f256286" providerId="LiveId" clId="{4DD53D4E-3B97-4172-B358-A07E2685FC77}" dt="2019-10-01T23:15:17.313" v="3" actId="20577"/>
+          <ac:spMkLst>
+            <pc:docMk/>
+            <pc:sldMk cId="191050624" sldId="358"/>
+            <ac:spMk id="3" creationId="{00000000-0000-0000-0000-000000000000}"/>
+          </ac:spMkLst>
+        </pc:spChg>
+      </pc:sldChg>
+    </pc:docChg>
+  </pc:docChgLst>
+  <pc:docChgLst>
+    <pc:chgData name="Judson Santiago" userId="ebb108da2f256286" providerId="LiveId" clId="{281ED2C4-0987-4465-A3A1-3334B7ADF49F}"/>
+    <pc:docChg chg="undo custSel modSld modMainMaster">
+      <pc:chgData name="Judson Santiago" userId="ebb108da2f256286" providerId="LiveId" clId="{281ED2C4-0987-4465-A3A1-3334B7ADF49F}" dt="2021-05-31T17:52:13.223" v="134" actId="207"/>
+      <pc:docMkLst>
+        <pc:docMk/>
+      </pc:docMkLst>
+      <pc:sldChg chg="modSp mod">
+        <pc:chgData name="Judson Santiago" userId="ebb108da2f256286" providerId="LiveId" clId="{281ED2C4-0987-4465-A3A1-3334B7ADF49F}" dt="2021-05-31T17:07:51.516" v="6" actId="404"/>
+        <pc:sldMkLst>
+          <pc:docMk/>
+          <pc:sldMk cId="622414078" sldId="320"/>
+        </pc:sldMkLst>
+        <pc:spChg chg="mod">
+          <ac:chgData name="Judson Santiago" userId="ebb108da2f256286" providerId="LiveId" clId="{281ED2C4-0987-4465-A3A1-3334B7ADF49F}" dt="2021-05-31T17:07:51.516" v="6" actId="404"/>
+          <ac:spMkLst>
+            <pc:docMk/>
+            <pc:sldMk cId="622414078" sldId="320"/>
+            <ac:spMk id="25" creationId="{00000000-0000-0000-0000-000000000000}"/>
+          </ac:spMkLst>
+        </pc:spChg>
+      </pc:sldChg>
+      <pc:sldChg chg="addSp modSp mod">
+        <pc:chgData name="Judson Santiago" userId="ebb108da2f256286" providerId="LiveId" clId="{281ED2C4-0987-4465-A3A1-3334B7ADF49F}" dt="2021-05-31T17:38:00.261" v="58" actId="20577"/>
+        <pc:sldMkLst>
+          <pc:docMk/>
+          <pc:sldMk cId="1963156715" sldId="321"/>
+        </pc:sldMkLst>
+        <pc:spChg chg="add mod">
+          <ac:chgData name="Judson Santiago" userId="ebb108da2f256286" providerId="LiveId" clId="{281ED2C4-0987-4465-A3A1-3334B7ADF49F}" dt="2021-05-31T17:38:00.261" v="58" actId="20577"/>
+          <ac:spMkLst>
+            <pc:docMk/>
+            <pc:sldMk cId="1963156715" sldId="321"/>
+            <ac:spMk id="5" creationId="{6202F93B-A63D-434D-95F9-1F080CC332DA}"/>
+          </ac:spMkLst>
+        </pc:spChg>
+      </pc:sldChg>
+      <pc:sldChg chg="modSp mod">
+        <pc:chgData name="Judson Santiago" userId="ebb108da2f256286" providerId="LiveId" clId="{281ED2C4-0987-4465-A3A1-3334B7ADF49F}" dt="2021-05-31T17:12:13.814" v="41" actId="313"/>
+        <pc:sldMkLst>
+          <pc:docMk/>
+          <pc:sldMk cId="3559356611" sldId="323"/>
+        </pc:sldMkLst>
+        <pc:spChg chg="mod">
+          <ac:chgData name="Judson Santiago" userId="ebb108da2f256286" providerId="LiveId" clId="{281ED2C4-0987-4465-A3A1-3334B7ADF49F}" dt="2021-05-31T17:12:13.814" v="41" actId="313"/>
+          <ac:spMkLst>
+            <pc:docMk/>
+            <pc:sldMk cId="3559356611" sldId="323"/>
+            <ac:spMk id="3" creationId="{00000000-0000-0000-0000-000000000000}"/>
+          </ac:spMkLst>
+        </pc:spChg>
+        <pc:spChg chg="mod">
+          <ac:chgData name="Judson Santiago" userId="ebb108da2f256286" providerId="LiveId" clId="{281ED2C4-0987-4465-A3A1-3334B7ADF49F}" dt="2021-05-31T17:10:38.353" v="17" actId="1076"/>
+          <ac:spMkLst>
+            <pc:docMk/>
+            <pc:sldMk cId="3559356611" sldId="323"/>
+            <ac:spMk id="4" creationId="{00000000-0000-0000-0000-000000000000}"/>
+          </ac:spMkLst>
+        </pc:spChg>
+      </pc:sldChg>
+      <pc:sldChg chg="modSp mod">
+        <pc:chgData name="Judson Santiago" userId="ebb108da2f256286" providerId="LiveId" clId="{281ED2C4-0987-4465-A3A1-3334B7ADF49F}" dt="2021-05-31T17:37:05.895" v="56" actId="20577"/>
+        <pc:sldMkLst>
+          <pc:docMk/>
+          <pc:sldMk cId="2534464719" sldId="325"/>
+        </pc:sldMkLst>
+        <pc:spChg chg="mod">
+          <ac:chgData name="Judson Santiago" userId="ebb108da2f256286" providerId="LiveId" clId="{281ED2C4-0987-4465-A3A1-3334B7ADF49F}" dt="2021-05-31T17:37:05.895" v="56" actId="20577"/>
+          <ac:spMkLst>
+            <pc:docMk/>
+            <pc:sldMk cId="2534464719" sldId="325"/>
+            <ac:spMk id="4" creationId="{00000000-0000-0000-0000-000000000000}"/>
+          </ac:spMkLst>
+        </pc:spChg>
+      </pc:sldChg>
+      <pc:sldChg chg="addSp modSp mod">
+        <pc:chgData name="Judson Santiago" userId="ebb108da2f256286" providerId="LiveId" clId="{281ED2C4-0987-4465-A3A1-3334B7ADF49F}" dt="2021-05-31T17:38:11.909" v="68" actId="20577"/>
+        <pc:sldMkLst>
+          <pc:docMk/>
+          <pc:sldMk cId="2321138416" sldId="326"/>
+        </pc:sldMkLst>
+        <pc:spChg chg="add mod">
+          <ac:chgData name="Judson Santiago" userId="ebb108da2f256286" providerId="LiveId" clId="{281ED2C4-0987-4465-A3A1-3334B7ADF49F}" dt="2021-05-31T17:38:11.909" v="68" actId="20577"/>
+          <ac:spMkLst>
+            <pc:docMk/>
+            <pc:sldMk cId="2321138416" sldId="326"/>
+            <ac:spMk id="5" creationId="{C8D6886C-96FF-4236-9C6A-315C10E04253}"/>
+          </ac:spMkLst>
+        </pc:spChg>
+      </pc:sldChg>
+      <pc:sldChg chg="modSp mod modNotesTx">
+        <pc:chgData name="Judson Santiago" userId="ebb108da2f256286" providerId="LiveId" clId="{281ED2C4-0987-4465-A3A1-3334B7ADF49F}" dt="2021-05-31T17:43:31.187" v="102" actId="20577"/>
+        <pc:sldMkLst>
+          <pc:docMk/>
+          <pc:sldMk cId="1171457307" sldId="336"/>
+        </pc:sldMkLst>
+        <pc:spChg chg="mod">
+          <ac:chgData name="Judson Santiago" userId="ebb108da2f256286" providerId="LiveId" clId="{281ED2C4-0987-4465-A3A1-3334B7ADF49F}" dt="2021-05-31T17:43:05.140" v="101" actId="20577"/>
+          <ac:spMkLst>
+            <pc:docMk/>
+            <pc:sldMk cId="1171457307" sldId="336"/>
+            <ac:spMk id="3" creationId="{00000000-0000-0000-0000-000000000000}"/>
+          </ac:spMkLst>
+        </pc:spChg>
+      </pc:sldChg>
+      <pc:sldChg chg="addSp modSp mod">
+        <pc:chgData name="Judson Santiago" userId="ebb108da2f256286" providerId="LiveId" clId="{281ED2C4-0987-4465-A3A1-3334B7ADF49F}" dt="2021-05-31T17:39:01.940" v="75" actId="20577"/>
+        <pc:sldMkLst>
+          <pc:docMk/>
+          <pc:sldMk cId="3031936815" sldId="337"/>
+        </pc:sldMkLst>
+        <pc:spChg chg="add mod">
+          <ac:chgData name="Judson Santiago" userId="ebb108da2f256286" providerId="LiveId" clId="{281ED2C4-0987-4465-A3A1-3334B7ADF49F}" dt="2021-05-31T17:39:01.940" v="75" actId="20577"/>
+          <ac:spMkLst>
+            <pc:docMk/>
+            <pc:sldMk cId="3031936815" sldId="337"/>
+            <ac:spMk id="5" creationId="{FBEB9584-2661-45A3-BC34-90743A92F4D1}"/>
+          </ac:spMkLst>
+        </pc:spChg>
+      </pc:sldChg>
+      <pc:sldChg chg="addSp modSp">
+        <pc:chgData name="Judson Santiago" userId="ebb108da2f256286" providerId="LiveId" clId="{281ED2C4-0987-4465-A3A1-3334B7ADF49F}" dt="2021-05-31T17:39:07.601" v="76"/>
+        <pc:sldMkLst>
+          <pc:docMk/>
+          <pc:sldMk cId="1753192751" sldId="338"/>
+        </pc:sldMkLst>
+        <pc:spChg chg="add mod">
+          <ac:chgData name="Judson Santiago" userId="ebb108da2f256286" providerId="LiveId" clId="{281ED2C4-0987-4465-A3A1-3334B7ADF49F}" dt="2021-05-31T17:39:07.601" v="76"/>
+          <ac:spMkLst>
+            <pc:docMk/>
+            <pc:sldMk cId="1753192751" sldId="338"/>
+            <ac:spMk id="5" creationId="{A528D3D3-06AF-4F26-9972-89D3E636E9DC}"/>
+          </ac:spMkLst>
+        </pc:spChg>
+      </pc:sldChg>
+      <pc:sldChg chg="addSp modSp">
+        <pc:chgData name="Judson Santiago" userId="ebb108da2f256286" providerId="LiveId" clId="{281ED2C4-0987-4465-A3A1-3334B7ADF49F}" dt="2021-05-31T17:39:08.921" v="77"/>
+        <pc:sldMkLst>
+          <pc:docMk/>
+          <pc:sldMk cId="2021959491" sldId="339"/>
+        </pc:sldMkLst>
+        <pc:spChg chg="add mod">
+          <ac:chgData name="Judson Santiago" userId="ebb108da2f256286" providerId="LiveId" clId="{281ED2C4-0987-4465-A3A1-3334B7ADF49F}" dt="2021-05-31T17:39:08.921" v="77"/>
+          <ac:spMkLst>
+            <pc:docMk/>
+            <pc:sldMk cId="2021959491" sldId="339"/>
+            <ac:spMk id="5" creationId="{919F8125-CB2C-4805-97BF-E37C4C0706D4}"/>
+          </ac:spMkLst>
+        </pc:spChg>
+      </pc:sldChg>
+      <pc:sldChg chg="modSp mod">
+        <pc:chgData name="Judson Santiago" userId="ebb108da2f256286" providerId="LiveId" clId="{281ED2C4-0987-4465-A3A1-3334B7ADF49F}" dt="2021-05-31T17:52:13.223" v="134" actId="207"/>
+        <pc:sldMkLst>
+          <pc:docMk/>
+          <pc:sldMk cId="3786882157" sldId="342"/>
+        </pc:sldMkLst>
+        <pc:spChg chg="mod">
+          <ac:chgData name="Judson Santiago" userId="ebb108da2f256286" providerId="LiveId" clId="{281ED2C4-0987-4465-A3A1-3334B7ADF49F}" dt="2021-05-31T17:52:13.223" v="134" actId="207"/>
+          <ac:spMkLst>
+            <pc:docMk/>
+            <pc:sldMk cId="3786882157" sldId="342"/>
+            <ac:spMk id="3" creationId="{00000000-0000-0000-0000-000000000000}"/>
+          </ac:spMkLst>
+        </pc:spChg>
+      </pc:sldChg>
+      <pc:sldChg chg="modSp mod">
+        <pc:chgData name="Judson Santiago" userId="ebb108da2f256286" providerId="LiveId" clId="{281ED2C4-0987-4465-A3A1-3334B7ADF49F}" dt="2021-05-31T17:52:09.635" v="133" actId="207"/>
+        <pc:sldMkLst>
+          <pc:docMk/>
+          <pc:sldMk cId="3753589149" sldId="343"/>
+        </pc:sldMkLst>
+        <pc:spChg chg="mod">
+          <ac:chgData name="Judson Santiago" userId="ebb108da2f256286" providerId="LiveId" clId="{281ED2C4-0987-4465-A3A1-3334B7ADF49F}" dt="2021-05-31T17:52:09.635" v="133" actId="207"/>
+          <ac:spMkLst>
+            <pc:docMk/>
+            <pc:sldMk cId="3753589149" sldId="343"/>
+            <ac:spMk id="3" creationId="{00000000-0000-0000-0000-000000000000}"/>
+          </ac:spMkLst>
+        </pc:spChg>
+      </pc:sldChg>
+      <pc:sldChg chg="modNotesTx">
+        <pc:chgData name="Judson Santiago" userId="ebb108da2f256286" providerId="LiveId" clId="{281ED2C4-0987-4465-A3A1-3334B7ADF49F}" dt="2021-05-31T17:15:30.994" v="52" actId="20577"/>
+        <pc:sldMkLst>
+          <pc:docMk/>
+          <pc:sldMk cId="3022162703" sldId="350"/>
+        </pc:sldMkLst>
+      </pc:sldChg>
+      <pc:sldChg chg="modNotesTx">
+        <pc:chgData name="Judson Santiago" userId="ebb108da2f256286" providerId="LiveId" clId="{281ED2C4-0987-4465-A3A1-3334B7ADF49F}" dt="2021-05-31T17:15:42.203" v="54" actId="20577"/>
+        <pc:sldMkLst>
+          <pc:docMk/>
+          <pc:sldMk cId="516857775" sldId="352"/>
+        </pc:sldMkLst>
+      </pc:sldChg>
+      <pc:sldChg chg="modSp mod">
+        <pc:chgData name="Judson Santiago" userId="ebb108da2f256286" providerId="LiveId" clId="{281ED2C4-0987-4465-A3A1-3334B7ADF49F}" dt="2021-05-31T17:04:26.661" v="5" actId="20577"/>
+        <pc:sldMkLst>
+          <pc:docMk/>
+          <pc:sldMk cId="1165547700" sldId="354"/>
+        </pc:sldMkLst>
+        <pc:spChg chg="mod">
+          <ac:chgData name="Judson Santiago" userId="ebb108da2f256286" providerId="LiveId" clId="{281ED2C4-0987-4465-A3A1-3334B7ADF49F}" dt="2021-05-31T17:04:26.661" v="5" actId="20577"/>
+          <ac:spMkLst>
+            <pc:docMk/>
+            <pc:sldMk cId="1165547700" sldId="354"/>
+            <ac:spMk id="5" creationId="{BF7A39EE-9A35-44F3-ACAA-91AAC07AFA8D}"/>
+          </ac:spMkLst>
+        </pc:spChg>
+      </pc:sldChg>
+      <pc:sldChg chg="modSp mod">
+        <pc:chgData name="Judson Santiago" userId="ebb108da2f256286" providerId="LiveId" clId="{281ED2C4-0987-4465-A3A1-3334B7ADF49F}" dt="2021-05-31T17:42:05.477" v="100" actId="6549"/>
+        <pc:sldMkLst>
+          <pc:docMk/>
+          <pc:sldMk cId="2577179371" sldId="357"/>
+        </pc:sldMkLst>
+        <pc:spChg chg="mod">
+          <ac:chgData name="Judson Santiago" userId="ebb108da2f256286" providerId="LiveId" clId="{281ED2C4-0987-4465-A3A1-3334B7ADF49F}" dt="2021-05-31T17:42:05.477" v="100" actId="6549"/>
+          <ac:spMkLst>
+            <pc:docMk/>
+            <pc:sldMk cId="2577179371" sldId="357"/>
+            <ac:spMk id="3" creationId="{C15148EE-74E6-4CF3-935B-96A0047DFC30}"/>
+          </ac:spMkLst>
+        </pc:spChg>
+      </pc:sldChg>
+      <pc:sldMasterChg chg="setBg modSldLayout">
+        <pc:chgData name="Judson Santiago" userId="ebb108da2f256286" providerId="LiveId" clId="{281ED2C4-0987-4465-A3A1-3334B7ADF49F}" dt="2021-05-31T16:13:33.866" v="4"/>
+        <pc:sldMasterMkLst>
+          <pc:docMk/>
+          <pc:sldMasterMk cId="0" sldId="2147483660"/>
+        </pc:sldMasterMkLst>
+        <pc:sldLayoutChg chg="addSp modSp mod">
+          <pc:chgData name="Judson Santiago" userId="ebb108da2f256286" providerId="LiveId" clId="{281ED2C4-0987-4465-A3A1-3334B7ADF49F}" dt="2021-05-31T16:12:34.188" v="1" actId="167"/>
+          <pc:sldLayoutMkLst>
+            <pc:docMk/>
+            <pc:sldMasterMk cId="0" sldId="2147483660"/>
+            <pc:sldLayoutMk cId="0" sldId="2147483661"/>
+          </pc:sldLayoutMkLst>
+          <pc:picChg chg="add mod ord">
+            <ac:chgData name="Judson Santiago" userId="ebb108da2f256286" providerId="LiveId" clId="{281ED2C4-0987-4465-A3A1-3334B7ADF49F}" dt="2021-05-31T16:12:34.188" v="1" actId="167"/>
+            <ac:picMkLst>
+              <pc:docMk/>
+              <pc:sldMasterMk cId="0" sldId="2147483660"/>
+              <pc:sldLayoutMk cId="0" sldId="2147483661"/>
+              <ac:picMk id="13" creationId="{06BD4EAA-E5AE-435D-A4F0-0CC1303AE81E}"/>
+            </ac:picMkLst>
+          </pc:picChg>
+        </pc:sldLayoutChg>
+      </pc:sldMasterChg>
+    </pc:docChg>
+  </pc:docChgLst>
   <pc:docChgLst>
     <pc:chgData name="Judson Santiago" userId="ebb108da2f256286" providerId="LiveId" clId="{5A0E4CA5-E363-44FD-BC64-DE91027D8165}"/>
     <pc:docChg chg="undo custSel addSld delSld modSld">
@@ -773,190 +1198,6 @@
       </pc:sldChg>
     </pc:docChg>
   </pc:docChgLst>
-  <pc:docChgLst>
-    <pc:chgData name="Judson Santiago" userId="ebb108da2f256286" providerId="LiveId" clId="{427F1FDD-ADCF-4D52-BE34-6A775B03D078}"/>
-  </pc:docChgLst>
-  <pc:docChgLst>
-    <pc:chgData name="Judson Santiago" userId="ebb108da2f256286" providerId="LiveId" clId="{166D81FB-4E39-4C1B-80B3-4337C23C8C23}"/>
-  </pc:docChgLst>
-  <pc:docChgLst>
-    <pc:chgData name="Judson Santiago" userId="ebb108da2f256286" providerId="LiveId" clId="{4DD53D4E-3B97-4172-B358-A07E2685FC77}"/>
-    <pc:docChg chg="undo custSel modSld">
-      <pc:chgData name="Judson Santiago" userId="ebb108da2f256286" providerId="LiveId" clId="{4DD53D4E-3B97-4172-B358-A07E2685FC77}" dt="2019-10-02T00:47:20.502" v="142" actId="6549"/>
-      <pc:docMkLst>
-        <pc:docMk/>
-      </pc:docMkLst>
-      <pc:sldChg chg="modSp">
-        <pc:chgData name="Judson Santiago" userId="ebb108da2f256286" providerId="LiveId" clId="{4DD53D4E-3B97-4172-B358-A07E2685FC77}" dt="2019-10-01T23:44:35.199" v="20" actId="1036"/>
-        <pc:sldMkLst>
-          <pc:docMk/>
-          <pc:sldMk cId="2534464719" sldId="325"/>
-        </pc:sldMkLst>
-        <pc:spChg chg="mod">
-          <ac:chgData name="Judson Santiago" userId="ebb108da2f256286" providerId="LiveId" clId="{4DD53D4E-3B97-4172-B358-A07E2685FC77}" dt="2019-10-01T23:44:25.698" v="19" actId="20577"/>
-          <ac:spMkLst>
-            <pc:docMk/>
-            <pc:sldMk cId="2534464719" sldId="325"/>
-            <ac:spMk id="3" creationId="{00000000-0000-0000-0000-000000000000}"/>
-          </ac:spMkLst>
-        </pc:spChg>
-        <pc:spChg chg="mod">
-          <ac:chgData name="Judson Santiago" userId="ebb108da2f256286" providerId="LiveId" clId="{4DD53D4E-3B97-4172-B358-A07E2685FC77}" dt="2019-10-01T23:44:35.199" v="20" actId="1036"/>
-          <ac:spMkLst>
-            <pc:docMk/>
-            <pc:sldMk cId="2534464719" sldId="325"/>
-            <ac:spMk id="4" creationId="{00000000-0000-0000-0000-000000000000}"/>
-          </ac:spMkLst>
-        </pc:spChg>
-        <pc:spChg chg="mod">
-          <ac:chgData name="Judson Santiago" userId="ebb108da2f256286" providerId="LiveId" clId="{4DD53D4E-3B97-4172-B358-A07E2685FC77}" dt="2019-10-01T23:44:35.199" v="20" actId="1036"/>
-          <ac:spMkLst>
-            <pc:docMk/>
-            <pc:sldMk cId="2534464719" sldId="325"/>
-            <ac:spMk id="5" creationId="{00000000-0000-0000-0000-000000000000}"/>
-          </ac:spMkLst>
-        </pc:spChg>
-      </pc:sldChg>
-      <pc:sldChg chg="modSp">
-        <pc:chgData name="Judson Santiago" userId="ebb108da2f256286" providerId="LiveId" clId="{4DD53D4E-3B97-4172-B358-A07E2685FC77}" dt="2019-10-01T23:46:08.265" v="77" actId="1076"/>
-        <pc:sldMkLst>
-          <pc:docMk/>
-          <pc:sldMk cId="741854910" sldId="327"/>
-        </pc:sldMkLst>
-        <pc:spChg chg="mod">
-          <ac:chgData name="Judson Santiago" userId="ebb108da2f256286" providerId="LiveId" clId="{4DD53D4E-3B97-4172-B358-A07E2685FC77}" dt="2019-10-01T23:46:02.156" v="76" actId="207"/>
-          <ac:spMkLst>
-            <pc:docMk/>
-            <pc:sldMk cId="741854910" sldId="327"/>
-            <ac:spMk id="3" creationId="{00000000-0000-0000-0000-000000000000}"/>
-          </ac:spMkLst>
-        </pc:spChg>
-        <pc:spChg chg="mod">
-          <ac:chgData name="Judson Santiago" userId="ebb108da2f256286" providerId="LiveId" clId="{4DD53D4E-3B97-4172-B358-A07E2685FC77}" dt="2019-10-01T23:46:08.265" v="77" actId="1076"/>
-          <ac:spMkLst>
-            <pc:docMk/>
-            <pc:sldMk cId="741854910" sldId="327"/>
-            <ac:spMk id="5" creationId="{00000000-0000-0000-0000-000000000000}"/>
-          </ac:spMkLst>
-        </pc:spChg>
-      </pc:sldChg>
-      <pc:sldChg chg="modSp">
-        <pc:chgData name="Judson Santiago" userId="ebb108da2f256286" providerId="LiveId" clId="{4DD53D4E-3B97-4172-B358-A07E2685FC77}" dt="2019-10-01T23:47:12.941" v="78" actId="6549"/>
-        <pc:sldMkLst>
-          <pc:docMk/>
-          <pc:sldMk cId="3471020835" sldId="328"/>
-        </pc:sldMkLst>
-        <pc:spChg chg="mod">
-          <ac:chgData name="Judson Santiago" userId="ebb108da2f256286" providerId="LiveId" clId="{4DD53D4E-3B97-4172-B358-A07E2685FC77}" dt="2019-10-01T23:47:12.941" v="78" actId="6549"/>
-          <ac:spMkLst>
-            <pc:docMk/>
-            <pc:sldMk cId="3471020835" sldId="328"/>
-            <ac:spMk id="3" creationId="{00000000-0000-0000-0000-000000000000}"/>
-          </ac:spMkLst>
-        </pc:spChg>
-      </pc:sldChg>
-      <pc:sldChg chg="modSp">
-        <pc:chgData name="Judson Santiago" userId="ebb108da2f256286" providerId="LiveId" clId="{4DD53D4E-3B97-4172-B358-A07E2685FC77}" dt="2019-10-02T00:39:00.065" v="86" actId="15"/>
-        <pc:sldMkLst>
-          <pc:docMk/>
-          <pc:sldMk cId="3031936815" sldId="337"/>
-        </pc:sldMkLst>
-        <pc:spChg chg="mod">
-          <ac:chgData name="Judson Santiago" userId="ebb108da2f256286" providerId="LiveId" clId="{4DD53D4E-3B97-4172-B358-A07E2685FC77}" dt="2019-10-02T00:39:00.065" v="86" actId="15"/>
-          <ac:spMkLst>
-            <pc:docMk/>
-            <pc:sldMk cId="3031936815" sldId="337"/>
-            <ac:spMk id="4" creationId="{00000000-0000-0000-0000-000000000000}"/>
-          </ac:spMkLst>
-        </pc:spChg>
-      </pc:sldChg>
-      <pc:sldChg chg="modSp">
-        <pc:chgData name="Judson Santiago" userId="ebb108da2f256286" providerId="LiveId" clId="{4DD53D4E-3B97-4172-B358-A07E2685FC77}" dt="2019-10-02T00:38:35.271" v="84" actId="20577"/>
-        <pc:sldMkLst>
-          <pc:docMk/>
-          <pc:sldMk cId="1753192751" sldId="338"/>
-        </pc:sldMkLst>
-        <pc:spChg chg="mod">
-          <ac:chgData name="Judson Santiago" userId="ebb108da2f256286" providerId="LiveId" clId="{4DD53D4E-3B97-4172-B358-A07E2685FC77}" dt="2019-10-02T00:38:35.271" v="84" actId="20577"/>
-          <ac:spMkLst>
-            <pc:docMk/>
-            <pc:sldMk cId="1753192751" sldId="338"/>
-            <ac:spMk id="4" creationId="{00000000-0000-0000-0000-000000000000}"/>
-          </ac:spMkLst>
-        </pc:spChg>
-      </pc:sldChg>
-      <pc:sldChg chg="modSp">
-        <pc:chgData name="Judson Santiago" userId="ebb108da2f256286" providerId="LiveId" clId="{4DD53D4E-3B97-4172-B358-A07E2685FC77}" dt="2019-10-01T23:16:52.274" v="5" actId="20577"/>
-        <pc:sldMkLst>
-          <pc:docMk/>
-          <pc:sldMk cId="1917907881" sldId="345"/>
-        </pc:sldMkLst>
-        <pc:spChg chg="mod">
-          <ac:chgData name="Judson Santiago" userId="ebb108da2f256286" providerId="LiveId" clId="{4DD53D4E-3B97-4172-B358-A07E2685FC77}" dt="2019-10-01T23:16:52.274" v="5" actId="20577"/>
-          <ac:spMkLst>
-            <pc:docMk/>
-            <pc:sldMk cId="1917907881" sldId="345"/>
-            <ac:spMk id="3" creationId="{00000000-0000-0000-0000-000000000000}"/>
-          </ac:spMkLst>
-        </pc:spChg>
-      </pc:sldChg>
-      <pc:sldChg chg="modNotesTx">
-        <pc:chgData name="Judson Santiago" userId="ebb108da2f256286" providerId="LiveId" clId="{4DD53D4E-3B97-4172-B358-A07E2685FC77}" dt="2019-10-02T00:44:50.247" v="124" actId="20577"/>
-        <pc:sldMkLst>
-          <pc:docMk/>
-          <pc:sldMk cId="3022162703" sldId="350"/>
-        </pc:sldMkLst>
-      </pc:sldChg>
-      <pc:sldChg chg="modNotesTx">
-        <pc:chgData name="Judson Santiago" userId="ebb108da2f256286" providerId="LiveId" clId="{4DD53D4E-3B97-4172-B358-A07E2685FC77}" dt="2019-10-02T00:47:20.502" v="142" actId="6549"/>
-        <pc:sldMkLst>
-          <pc:docMk/>
-          <pc:sldMk cId="516857775" sldId="352"/>
-        </pc:sldMkLst>
-      </pc:sldChg>
-      <pc:sldChg chg="modSp">
-        <pc:chgData name="Judson Santiago" userId="ebb108da2f256286" providerId="LiveId" clId="{4DD53D4E-3B97-4172-B358-A07E2685FC77}" dt="2019-10-01T23:29:37.062" v="10" actId="207"/>
-        <pc:sldMkLst>
-          <pc:docMk/>
-          <pc:sldMk cId="1165547700" sldId="354"/>
-        </pc:sldMkLst>
-        <pc:spChg chg="mod">
-          <ac:chgData name="Judson Santiago" userId="ebb108da2f256286" providerId="LiveId" clId="{4DD53D4E-3B97-4172-B358-A07E2685FC77}" dt="2019-10-01T23:29:28.945" v="6" actId="207"/>
-          <ac:spMkLst>
-            <pc:docMk/>
-            <pc:sldMk cId="1165547700" sldId="354"/>
-            <ac:spMk id="6" creationId="{00000000-0000-0000-0000-000000000000}"/>
-          </ac:spMkLst>
-        </pc:spChg>
-        <pc:spChg chg="mod">
-          <ac:chgData name="Judson Santiago" userId="ebb108da2f256286" providerId="LiveId" clId="{4DD53D4E-3B97-4172-B358-A07E2685FC77}" dt="2019-10-01T23:29:37.062" v="10" actId="207"/>
-          <ac:spMkLst>
-            <pc:docMk/>
-            <pc:sldMk cId="1165547700" sldId="354"/>
-            <ac:spMk id="7" creationId="{E9A5E623-8D45-43AB-B164-0380194D390C}"/>
-          </ac:spMkLst>
-        </pc:spChg>
-      </pc:sldChg>
-      <pc:sldChg chg="modSp">
-        <pc:chgData name="Judson Santiago" userId="ebb108da2f256286" providerId="LiveId" clId="{4DD53D4E-3B97-4172-B358-A07E2685FC77}" dt="2019-10-01T23:15:17.313" v="3" actId="20577"/>
-        <pc:sldMkLst>
-          <pc:docMk/>
-          <pc:sldMk cId="191050624" sldId="358"/>
-        </pc:sldMkLst>
-        <pc:spChg chg="mod">
-          <ac:chgData name="Judson Santiago" userId="ebb108da2f256286" providerId="LiveId" clId="{4DD53D4E-3B97-4172-B358-A07E2685FC77}" dt="2019-10-01T23:15:17.313" v="3" actId="20577"/>
-          <ac:spMkLst>
-            <pc:docMk/>
-            <pc:sldMk cId="191050624" sldId="358"/>
-            <ac:spMk id="3" creationId="{00000000-0000-0000-0000-000000000000}"/>
-          </ac:spMkLst>
-        </pc:spChg>
-      </pc:sldChg>
-    </pc:docChg>
-  </pc:docChgLst>
-  <pc:docChgLst>
-    <pc:chgData name="Judson Santiago" userId="ebb108da2f256286" providerId="LiveId" clId="{3B0B49FF-3F13-4356-BEB1-A9B1502F80F1}"/>
-  </pc:docChgLst>
 </pc:chgInfo>
 </file>
 
@@ -1043,7 +1284,7 @@
             <a:fld id="{C316FC6E-831B-4C5E-8751-6BBED6FFBE8E}" type="datetimeFigureOut">
               <a:rPr lang="pt-BR" smtClean="0"/>
               <a:pPr/>
-              <a:t>01/10/2019</a:t>
+              <a:t>31/05/2021</a:t>
             </a:fld>
             <a:endParaRPr lang="pt-BR"/>
           </a:p>
@@ -1570,11 +1811,7 @@
             </a:r>
             <a:r>
               <a:rPr lang="pt-BR" baseline="0" dirty="0"/>
-              <a:t>ostrar que a variável local estática preserva seu conteúdo entre chamadas da função </a:t>
-            </a:r>
-            <a:r>
-              <a:rPr lang="pt-BR" baseline="0"/>
-              <a:t>(estatico.cpp)</a:t>
+              <a:t>ostrar que a variável local estática preserva seu conteúdo entre chamadas da função (Estatico.cpp)</a:t>
             </a:r>
             <a:endParaRPr lang="pt-BR" dirty="0"/>
           </a:p>
@@ -1838,10 +2075,7 @@
           <a:bodyPr/>
           <a:lstStyle/>
           <a:p>
-            <a:r>
-              <a:rPr lang="pt-BR" dirty="0"/>
-              <a:t>Ambos permitem acessar e modificar um dado “apontado”.</a:t>
-            </a:r>
+            <a:endParaRPr lang="pt-BR" dirty="0"/>
           </a:p>
         </p:txBody>
       </p:sp>
@@ -2165,15 +2399,7 @@
             </a:r>
             <a:r>
               <a:rPr lang="pt-BR" baseline="0" dirty="0"/>
-              <a:t> permite receber argumentos </a:t>
-            </a:r>
-            <a:r>
-              <a:rPr lang="pt-BR" baseline="0" dirty="0" err="1"/>
-              <a:t>contantes</a:t>
-            </a:r>
-            <a:r>
-              <a:rPr lang="pt-BR" baseline="0" dirty="0"/>
-              <a:t> ou não, enquanto que um parâmetro não constante recebe apenas argumentos não constantes</a:t>
+              <a:t> permite receber argumentos constantes ou não, enquanto que um parâmetro não constante recebe apenas argumentos não constantes</a:t>
             </a:r>
           </a:p>
           <a:p>
@@ -3024,7 +3250,7 @@
             </a:r>
             <a:r>
               <a:rPr lang="pt-BR" baseline="0" dirty="0"/>
-              <a:t> ao declarar duas variáveis globais com mesmo nome (principal.cpp e auxiliar.cpp)</a:t>
+              <a:t> ao declarar duas variáveis globais com mesmo nome (Principal.cpp e Auxiliar.cpp)</a:t>
             </a:r>
             <a:endParaRPr lang="pt-BR" dirty="0"/>
           </a:p>
@@ -3172,6 +3398,37 @@
           <a:chExt cx="0" cy="0"/>
         </a:xfrm>
       </p:grpSpPr>
+      <p:pic>
+        <p:nvPicPr>
+          <p:cNvPr id="13" name="Picture 3" descr="Rede de tecnologia iluminada em uma tela de fundo escura">
+            <a:extLst>
+              <a:ext uri="{FF2B5EF4-FFF2-40B4-BE49-F238E27FC236}">
+                <a16:creationId xmlns:a16="http://schemas.microsoft.com/office/drawing/2014/main" id="{06BD4EAA-E5AE-435D-A4F0-0CC1303AE81E}"/>
+              </a:ext>
+            </a:extLst>
+          </p:cNvPr>
+          <p:cNvPicPr>
+            <a:picLocks noChangeAspect="1"/>
+          </p:cNvPicPr>
+          <p:nvPr userDrawn="1"/>
+        </p:nvPicPr>
+        <p:blipFill rotWithShape="1">
+          <a:blip r:embed="rId2">
+            <a:alphaModFix amt="30000"/>
+          </a:blip>
+          <a:srcRect t="22329"/>
+          <a:stretch/>
+        </p:blipFill>
+        <p:spPr>
+          <a:xfrm flipH="1" flipV="1">
+            <a:off x="487680" y="0"/>
+            <a:ext cx="11704320" cy="6858000"/>
+          </a:xfrm>
+          <a:prstGeom prst="rect">
+            <a:avLst/>
+          </a:prstGeom>
+        </p:spPr>
+      </p:pic>
       <p:sp>
         <p:nvSpPr>
           <p:cNvPr id="28" name="Espaço Reservado para Data 27"/>
@@ -3190,7 +3447,7 @@
             <a:fld id="{D7C55EEC-0318-498A-BF02-D605D7177864}" type="datetimeFigureOut">
               <a:rPr lang="pt-BR" smtClean="0"/>
               <a:pPr/>
-              <a:t>01/10/2019</a:t>
+              <a:t>31/05/2021</a:t>
             </a:fld>
             <a:endParaRPr lang="pt-BR"/>
           </a:p>
@@ -3745,7 +4002,7 @@
             <a:fld id="{D7C55EEC-0318-498A-BF02-D605D7177864}" type="datetimeFigureOut">
               <a:rPr lang="pt-BR" smtClean="0"/>
               <a:pPr/>
-              <a:t>01/10/2019</a:t>
+              <a:t>31/05/2021</a:t>
             </a:fld>
             <a:endParaRPr lang="pt-BR"/>
           </a:p>
@@ -3922,7 +4179,7 @@
             <a:fld id="{D7C55EEC-0318-498A-BF02-D605D7177864}" type="datetimeFigureOut">
               <a:rPr lang="pt-BR" smtClean="0"/>
               <a:pPr/>
-              <a:t>01/10/2019</a:t>
+              <a:t>31/05/2021</a:t>
             </a:fld>
             <a:endParaRPr lang="pt-BR"/>
           </a:p>
@@ -4089,7 +4346,7 @@
             <a:fld id="{D7C55EEC-0318-498A-BF02-D605D7177864}" type="datetimeFigureOut">
               <a:rPr lang="pt-BR" smtClean="0"/>
               <a:pPr/>
-              <a:t>01/10/2019</a:t>
+              <a:t>31/05/2021</a:t>
             </a:fld>
             <a:endParaRPr lang="pt-BR"/>
           </a:p>
@@ -5538,7 +5795,7 @@
             <a:fld id="{D7C55EEC-0318-498A-BF02-D605D7177864}" type="datetimeFigureOut">
               <a:rPr lang="pt-BR" smtClean="0"/>
               <a:pPr/>
-              <a:t>01/10/2019</a:t>
+              <a:t>31/05/2021</a:t>
             </a:fld>
             <a:endParaRPr lang="pt-BR"/>
           </a:p>
@@ -6120,7 +6377,7 @@
             <a:fld id="{D7C55EEC-0318-498A-BF02-D605D7177864}" type="datetimeFigureOut">
               <a:rPr lang="pt-BR" smtClean="0"/>
               <a:pPr/>
-              <a:t>01/10/2019</a:t>
+              <a:t>31/05/2021</a:t>
             </a:fld>
             <a:endParaRPr lang="pt-BR"/>
           </a:p>
@@ -6551,7 +6808,7 @@
             <a:fld id="{D7C55EEC-0318-498A-BF02-D605D7177864}" type="datetimeFigureOut">
               <a:rPr lang="pt-BR" smtClean="0"/>
               <a:pPr/>
-              <a:t>01/10/2019</a:t>
+              <a:t>31/05/2021</a:t>
             </a:fld>
             <a:endParaRPr lang="pt-BR"/>
           </a:p>
@@ -7090,7 +7347,7 @@
             <a:fld id="{D7C55EEC-0318-498A-BF02-D605D7177864}" type="datetimeFigureOut">
               <a:rPr lang="pt-BR" smtClean="0"/>
               <a:pPr/>
-              <a:t>01/10/2019</a:t>
+              <a:t>31/05/2021</a:t>
             </a:fld>
             <a:endParaRPr lang="pt-BR"/>
           </a:p>
@@ -7182,7 +7439,7 @@
             <a:fld id="{D7C55EEC-0318-498A-BF02-D605D7177864}" type="datetimeFigureOut">
               <a:rPr lang="pt-BR" smtClean="0"/>
               <a:pPr/>
-              <a:t>01/10/2019</a:t>
+              <a:t>31/05/2021</a:t>
             </a:fld>
             <a:endParaRPr lang="pt-BR"/>
           </a:p>
@@ -7432,7 +7689,7 @@
             <a:fld id="{D7C55EEC-0318-498A-BF02-D605D7177864}" type="datetimeFigureOut">
               <a:rPr lang="pt-BR" smtClean="0"/>
               <a:pPr/>
-              <a:t>01/10/2019</a:t>
+              <a:t>31/05/2021</a:t>
             </a:fld>
             <a:endParaRPr lang="pt-BR"/>
           </a:p>
@@ -8147,7 +8404,7 @@
             <a:fld id="{D7C55EEC-0318-498A-BF02-D605D7177864}" type="datetimeFigureOut">
               <a:rPr lang="pt-BR" smtClean="0"/>
               <a:pPr/>
-              <a:t>01/10/2019</a:t>
+              <a:t>31/05/2021</a:t>
             </a:fld>
             <a:endParaRPr lang="pt-BR"/>
           </a:p>
@@ -8218,9 +8475,23 @@
 <p:sldMaster xmlns:a="http://schemas.openxmlformats.org/drawingml/2006/main" xmlns:r="http://schemas.openxmlformats.org/officeDocument/2006/relationships" xmlns:p="http://schemas.openxmlformats.org/presentationml/2006/main">
   <p:cSld>
     <p:bg>
-      <p:bgRef idx="1002">
-        <a:schemeClr val="bg2"/>
-      </p:bgRef>
+      <p:bgPr>
+        <a:gradFill rotWithShape="1">
+          <a:gsLst>
+            <a:gs pos="50000">
+              <a:schemeClr val="bg1">
+                <a:shade val="90000"/>
+                <a:satMod val="375000"/>
+              </a:schemeClr>
+            </a:gs>
+            <a:gs pos="100000">
+              <a:srgbClr val="28415E"/>
+            </a:gs>
+          </a:gsLst>
+          <a:lin ang="5400000" scaled="0"/>
+        </a:gradFill>
+        <a:effectLst/>
+      </p:bgPr>
     </p:bg>
     <p:spTree>
       <p:nvGrpSpPr>
@@ -8414,7 +8685,7 @@
             <a:fld id="{D7C55EEC-0318-498A-BF02-D605D7177864}" type="datetimeFigureOut">
               <a:rPr lang="pt-BR" smtClean="0"/>
               <a:pPr/>
-              <a:t>01/10/2019</a:t>
+              <a:t>31/05/2021</a:t>
             </a:fld>
             <a:endParaRPr lang="pt-BR"/>
           </a:p>
@@ -10973,7 +11244,7 @@
             </a:r>
             <a:r>
               <a:rPr lang="pt-BR" sz="2000" dirty="0"/>
-              <a:t> não está atrelado à funções</a:t>
+              <a:t> não está atrelado às funções</a:t>
             </a:r>
           </a:p>
         </p:txBody>
@@ -13245,7 +13516,7 @@
         <p:spPr>
           <a:xfrm>
             <a:off x="2034919" y="3478505"/>
-            <a:ext cx="3571900" cy="3046988"/>
+            <a:ext cx="3571900" cy="2677656"/>
           </a:xfrm>
           <a:prstGeom prst="rect">
             <a:avLst/>
@@ -13258,7 +13529,7 @@
           <a:lstStyle/>
           <a:p>
             <a:r>
-              <a:rPr lang="pt-BR" sz="1600" dirty="0">
+              <a:rPr lang="pt-BR" sz="1400" dirty="0">
                 <a:solidFill>
                   <a:schemeClr val="tx1">
                     <a:lumMod val="50000"/>
@@ -13272,7 +13543,7 @@
           </a:p>
           <a:p>
             <a:r>
-              <a:rPr lang="pt-BR" sz="1600" dirty="0" err="1">
+              <a:rPr lang="pt-BR" sz="1400" dirty="0" err="1">
                 <a:solidFill>
                   <a:schemeClr val="accent3">
                     <a:lumMod val="75000"/>
@@ -13284,14 +13555,14 @@
               <a:t>void</a:t>
             </a:r>
             <a:r>
-              <a:rPr lang="pt-BR" sz="1600" dirty="0">
+              <a:rPr lang="pt-BR" sz="1400" dirty="0">
                 <a:latin typeface="Consolas" panose="020B0609020204030204" pitchFamily="49" charset="0"/>
                 <a:cs typeface="Consolas" panose="020B0609020204030204" pitchFamily="49" charset="0"/>
               </a:rPr>
               <a:t> pragas(</a:t>
             </a:r>
             <a:r>
-              <a:rPr lang="pt-BR" sz="1600" dirty="0" err="1">
+              <a:rPr lang="pt-BR" sz="1400" dirty="0" err="1">
                 <a:solidFill>
                   <a:schemeClr val="accent3">
                     <a:lumMod val="75000"/>
@@ -13303,7 +13574,7 @@
               <a:t>int</a:t>
             </a:r>
             <a:r>
-              <a:rPr lang="pt-BR" sz="1600" dirty="0">
+              <a:rPr lang="pt-BR" sz="1400" dirty="0">
                 <a:latin typeface="Consolas" panose="020B0609020204030204" pitchFamily="49" charset="0"/>
                 <a:cs typeface="Consolas" panose="020B0609020204030204" pitchFamily="49" charset="0"/>
               </a:rPr>
@@ -13312,7 +13583,7 @@
           </a:p>
           <a:p>
             <a:r>
-              <a:rPr lang="pt-BR" sz="1600" dirty="0">
+              <a:rPr lang="pt-BR" sz="1400" dirty="0">
                 <a:latin typeface="Consolas" panose="020B0609020204030204" pitchFamily="49" charset="0"/>
                 <a:cs typeface="Consolas" panose="020B0609020204030204" pitchFamily="49" charset="0"/>
               </a:rPr>
@@ -13321,7 +13592,7 @@
           </a:p>
           <a:p>
             <a:r>
-              <a:rPr lang="pt-BR" sz="1600" dirty="0">
+              <a:rPr lang="pt-BR" sz="1400" dirty="0">
                 <a:latin typeface="Consolas" panose="020B0609020204030204" pitchFamily="49" charset="0"/>
                 <a:cs typeface="Consolas" panose="020B0609020204030204" pitchFamily="49" charset="0"/>
               </a:rPr>
@@ -13330,7 +13601,7 @@
           </a:p>
           <a:p>
             <a:r>
-              <a:rPr lang="pt-BR" sz="1600" dirty="0">
+              <a:rPr lang="pt-BR" sz="1400" dirty="0">
                 <a:latin typeface="Consolas" panose="020B0609020204030204" pitchFamily="49" charset="0"/>
                 <a:cs typeface="Consolas" panose="020B0609020204030204" pitchFamily="49" charset="0"/>
               </a:rPr>
@@ -13338,7 +13609,7 @@
             </a:r>
           </a:p>
           <a:p>
-            <a:endParaRPr lang="pt-BR" sz="1600" dirty="0">
+            <a:endParaRPr lang="pt-BR" sz="1400" dirty="0">
               <a:solidFill>
                 <a:schemeClr val="accent3">
                   <a:lumMod val="75000"/>
@@ -13350,7 +13621,7 @@
           </a:p>
           <a:p>
             <a:r>
-              <a:rPr lang="pt-BR" sz="1600" dirty="0" err="1">
+              <a:rPr lang="pt-BR" sz="1400" dirty="0" err="1">
                 <a:solidFill>
                   <a:schemeClr val="accent3">
                     <a:lumMod val="75000"/>
@@ -13362,21 +13633,21 @@
               <a:t>int</a:t>
             </a:r>
             <a:r>
-              <a:rPr lang="pt-BR" sz="1600" dirty="0">
+              <a:rPr lang="pt-BR" sz="1400" dirty="0">
                 <a:latin typeface="Consolas" panose="020B0609020204030204" pitchFamily="49" charset="0"/>
                 <a:cs typeface="Consolas" panose="020B0609020204030204" pitchFamily="49" charset="0"/>
               </a:rPr>
               <a:t> </a:t>
             </a:r>
             <a:r>
-              <a:rPr lang="pt-BR" sz="1600" dirty="0" err="1">
+              <a:rPr lang="pt-BR" sz="1400" dirty="0" err="1">
                 <a:latin typeface="Consolas" panose="020B0609020204030204" pitchFamily="49" charset="0"/>
                 <a:cs typeface="Consolas" panose="020B0609020204030204" pitchFamily="49" charset="0"/>
               </a:rPr>
               <a:t>main</a:t>
             </a:r>
             <a:r>
-              <a:rPr lang="pt-BR" sz="1600" dirty="0">
+              <a:rPr lang="pt-BR" sz="1400" dirty="0">
                 <a:latin typeface="Consolas" panose="020B0609020204030204" pitchFamily="49" charset="0"/>
                 <a:cs typeface="Consolas" panose="020B0609020204030204" pitchFamily="49" charset="0"/>
               </a:rPr>
@@ -13385,7 +13656,7 @@
           </a:p>
           <a:p>
             <a:r>
-              <a:rPr lang="pt-BR" sz="1600" dirty="0">
+              <a:rPr lang="pt-BR" sz="1400" dirty="0">
                 <a:latin typeface="Consolas" panose="020B0609020204030204" pitchFamily="49" charset="0"/>
                 <a:cs typeface="Consolas" panose="020B0609020204030204" pitchFamily="49" charset="0"/>
               </a:rPr>
@@ -13394,7 +13665,7 @@
           </a:p>
           <a:p>
             <a:r>
-              <a:rPr lang="pt-BR" sz="1600" dirty="0">
+              <a:rPr lang="pt-BR" sz="1400" dirty="0">
                 <a:solidFill>
                   <a:schemeClr val="accent3">
                     <a:lumMod val="75000"/>
@@ -13406,7 +13677,7 @@
               <a:t>   </a:t>
             </a:r>
             <a:r>
-              <a:rPr lang="pt-BR" sz="1600" dirty="0" err="1">
+              <a:rPr lang="pt-BR" sz="1400" dirty="0" err="1">
                 <a:solidFill>
                   <a:schemeClr val="accent3">
                     <a:lumMod val="75000"/>
@@ -13418,7 +13689,7 @@
               <a:t>int</a:t>
             </a:r>
             <a:r>
-              <a:rPr lang="pt-BR" sz="1600" dirty="0">
+              <a:rPr lang="pt-BR" sz="1400" dirty="0">
                 <a:solidFill>
                   <a:schemeClr val="accent3">
                     <a:lumMod val="75000"/>
@@ -13430,7 +13701,7 @@
               <a:t> </a:t>
             </a:r>
             <a:r>
-              <a:rPr lang="pt-BR" sz="1600" dirty="0">
+              <a:rPr lang="pt-BR" sz="1400" dirty="0">
                 <a:latin typeface="Consolas" panose="020B0609020204030204" pitchFamily="49" charset="0"/>
                 <a:cs typeface="Consolas" panose="020B0609020204030204" pitchFamily="49" charset="0"/>
               </a:rPr>
@@ -13439,7 +13710,7 @@
           </a:p>
           <a:p>
             <a:r>
-              <a:rPr lang="pt-BR" sz="1600" dirty="0">
+              <a:rPr lang="pt-BR" sz="1400" dirty="0">
                 <a:latin typeface="Consolas" panose="020B0609020204030204" pitchFamily="49" charset="0"/>
                 <a:cs typeface="Consolas" panose="020B0609020204030204" pitchFamily="49" charset="0"/>
               </a:rPr>
@@ -13448,7 +13719,7 @@
           </a:p>
           <a:p>
             <a:r>
-              <a:rPr lang="pt-BR" sz="1600" dirty="0">
+              <a:rPr lang="pt-BR" sz="1400" dirty="0">
                 <a:latin typeface="Consolas" panose="020B0609020204030204" pitchFamily="49" charset="0"/>
                 <a:cs typeface="Consolas" panose="020B0609020204030204" pitchFamily="49" charset="0"/>
               </a:rPr>
@@ -13457,7 +13728,7 @@
           </a:p>
           <a:p>
             <a:r>
-              <a:rPr lang="pt-BR" sz="1600" dirty="0">
+              <a:rPr lang="pt-BR" sz="1400" dirty="0">
                 <a:latin typeface="Consolas" panose="020B0609020204030204" pitchFamily="49" charset="0"/>
                 <a:cs typeface="Consolas" panose="020B0609020204030204" pitchFamily="49" charset="0"/>
               </a:rPr>
@@ -14110,6 +14381,48 @@
           </a:p>
         </p:txBody>
       </p:sp>
+      <p:sp>
+        <p:nvSpPr>
+          <p:cNvPr id="5" name="CaixaDeTexto 4">
+            <a:extLst>
+              <a:ext uri="{FF2B5EF4-FFF2-40B4-BE49-F238E27FC236}">
+                <a16:creationId xmlns:a16="http://schemas.microsoft.com/office/drawing/2014/main" id="{6202F93B-A63D-434D-95F9-1F080CC332DA}"/>
+              </a:ext>
+            </a:extLst>
+          </p:cNvPr>
+          <p:cNvSpPr txBox="1"/>
+          <p:nvPr/>
+        </p:nvSpPr>
+        <p:spPr>
+          <a:xfrm rot="16200000">
+            <a:off x="-714272" y="5774776"/>
+            <a:ext cx="1800200" cy="276999"/>
+          </a:xfrm>
+          <a:prstGeom prst="rect">
+            <a:avLst/>
+          </a:prstGeom>
+          <a:noFill/>
+        </p:spPr>
+        <p:txBody>
+          <a:bodyPr wrap="square" rtlCol="0">
+            <a:spAutoFit/>
+          </a:bodyPr>
+          <a:lstStyle/>
+          <a:p>
+            <a:r>
+              <a:rPr lang="pt-BR" sz="1200" dirty="0">
+                <a:solidFill>
+                  <a:schemeClr val="bg2">
+                    <a:lumMod val="50000"/>
+                  </a:schemeClr>
+                </a:solidFill>
+                <a:latin typeface="+mj-lt"/>
+              </a:rPr>
+              <a:t>// Roedores.cpp</a:t>
+            </a:r>
+          </a:p>
+        </p:txBody>
+      </p:sp>
     </p:spTree>
     <p:extLst>
       <p:ext uri="{BB962C8B-B14F-4D97-AF65-F5344CB8AC3E}">
@@ -14462,22 +14775,32 @@
         </p:nvSpPr>
         <p:spPr/>
         <p:txBody>
-          <a:bodyPr/>
+          <a:bodyPr>
+            <a:normAutofit/>
+          </a:bodyPr>
           <a:lstStyle/>
           <a:p>
             <a:r>
               <a:rPr lang="pt-BR" dirty="0"/>
-              <a:t>Uma referência parece muito com um ponteiro:</a:t>
-            </a:r>
-          </a:p>
-          <a:p>
+              <a:t>Uma referência parece com um ponteiro</a:t>
+            </a:r>
+          </a:p>
+          <a:p>
+            <a:pPr lvl="1">
+              <a:spcAft>
+                <a:spcPts val="1800"/>
+              </a:spcAft>
+            </a:pPr>
+            <a:r>
+              <a:rPr lang="pt-BR" dirty="0"/>
+              <a:t>Ambos permitem acessar e modificar dados "apontados"</a:t>
+            </a:r>
+          </a:p>
+          <a:p>
+            <a:pPr lvl="1"/>
             <a:endParaRPr lang="pt-BR" dirty="0"/>
           </a:p>
           <a:p>
-            <a:endParaRPr lang="pt-BR" dirty="0"/>
-          </a:p>
-          <a:p>
-            <a:pPr lvl="1"/>
             <a:endParaRPr lang="pt-BR" dirty="0"/>
           </a:p>
           <a:p>
@@ -14606,7 +14929,7 @@
         </p:nvSpPr>
         <p:spPr>
           <a:xfrm>
-            <a:off x="1703512" y="2492896"/>
+            <a:off x="1991544" y="2852936"/>
             <a:ext cx="8352928" cy="923330"/>
           </a:xfrm>
           <a:prstGeom prst="rect">
@@ -17172,14 +17495,14 @@
               <a:t> &amp; roedores;   </a:t>
             </a:r>
             <a:r>
-              <a:rPr lang="el-GR" sz="1600" dirty="0">
+              <a:rPr lang="pt-BR" sz="1600" dirty="0">
                 <a:solidFill>
                   <a:srgbClr val="FF0000"/>
                 </a:solidFill>
                 <a:latin typeface="Consolas" pitchFamily="49" charset="0"/>
                 <a:cs typeface="Consolas" pitchFamily="49" charset="0"/>
               </a:rPr>
-              <a:t>Χ</a:t>
+              <a:t>x</a:t>
             </a:r>
             <a:r>
               <a:rPr lang="pt-BR" sz="1600" dirty="0">
@@ -17210,14 +17533,24 @@
               <a:t>roedores = ratos; </a:t>
             </a:r>
             <a:r>
-              <a:rPr lang="el-GR" sz="1600" dirty="0">
+              <a:rPr lang="pt-BR" sz="1600" dirty="0">
                 <a:solidFill>
                   <a:srgbClr val="FF0000"/>
                 </a:solidFill>
                 <a:latin typeface="Consolas" pitchFamily="49" charset="0"/>
                 <a:cs typeface="Consolas" pitchFamily="49" charset="0"/>
               </a:rPr>
-              <a:t>Χ </a:t>
+              <a:t>x</a:t>
+            </a:r>
+            <a:r>
+              <a:rPr lang="el-GR" sz="1600" dirty="0">
+                <a:solidFill>
+                  <a:srgbClr val="FF0000"/>
+                </a:solidFill>
+                <a:latin typeface="Consolas" pitchFamily="49" charset="0"/>
+                <a:cs typeface="Consolas" pitchFamily="49" charset="0"/>
+              </a:rPr>
+              <a:t> </a:t>
             </a:r>
             <a:r>
               <a:rPr lang="pt-BR" sz="1600" dirty="0">
@@ -18173,6 +18506,48 @@
                 <a:cs typeface="Consolas" panose="020B0609020204030204" pitchFamily="49" charset="0"/>
               </a:rPr>
               <a:t>}</a:t>
+            </a:r>
+          </a:p>
+        </p:txBody>
+      </p:sp>
+      <p:sp>
+        <p:nvSpPr>
+          <p:cNvPr id="5" name="CaixaDeTexto 4">
+            <a:extLst>
+              <a:ext uri="{FF2B5EF4-FFF2-40B4-BE49-F238E27FC236}">
+                <a16:creationId xmlns:a16="http://schemas.microsoft.com/office/drawing/2014/main" id="{C8D6886C-96FF-4236-9C6A-315C10E04253}"/>
+              </a:ext>
+            </a:extLst>
+          </p:cNvPr>
+          <p:cNvSpPr txBox="1"/>
+          <p:nvPr/>
+        </p:nvSpPr>
+        <p:spPr>
+          <a:xfrm rot="16200000">
+            <a:off x="-714272" y="5774776"/>
+            <a:ext cx="1800200" cy="276999"/>
+          </a:xfrm>
+          <a:prstGeom prst="rect">
+            <a:avLst/>
+          </a:prstGeom>
+          <a:noFill/>
+        </p:spPr>
+        <p:txBody>
+          <a:bodyPr wrap="square" rtlCol="0">
+            <a:spAutoFit/>
+          </a:bodyPr>
+          <a:lstStyle/>
+          <a:p>
+            <a:r>
+              <a:rPr lang="pt-BR" sz="1200" dirty="0">
+                <a:solidFill>
+                  <a:schemeClr val="bg2">
+                    <a:lumMod val="50000"/>
+                  </a:schemeClr>
+                </a:solidFill>
+                <a:latin typeface="+mj-lt"/>
+              </a:rPr>
+              <a:t>// Coelhos.cpp</a:t>
             </a:r>
           </a:p>
         </p:txBody>
@@ -21639,7 +22014,14 @@
           <a:p>
             <a:r>
               <a:rPr lang="pt-BR" dirty="0"/>
-              <a:t>Referências foram inicialmente criadas para trabalhar com </a:t>
+              <a:t>Referências foram inicialmente criadas para trabalhar </a:t>
+            </a:r>
+            <a:br>
+              <a:rPr lang="pt-BR" dirty="0"/>
+            </a:br>
+            <a:r>
+              <a:rPr lang="pt-BR" dirty="0"/>
+              <a:t>com </a:t>
             </a:r>
             <a:r>
               <a:rPr lang="pt-BR" dirty="0">
@@ -23032,6 +23414,48 @@
           </a:p>
         </p:txBody>
       </p:sp>
+      <p:sp>
+        <p:nvSpPr>
+          <p:cNvPr id="5" name="CaixaDeTexto 4">
+            <a:extLst>
+              <a:ext uri="{FF2B5EF4-FFF2-40B4-BE49-F238E27FC236}">
+                <a16:creationId xmlns:a16="http://schemas.microsoft.com/office/drawing/2014/main" id="{FBEB9584-2661-45A3-BC34-90743A92F4D1}"/>
+              </a:ext>
+            </a:extLst>
+          </p:cNvPr>
+          <p:cNvSpPr txBox="1"/>
+          <p:nvPr/>
+        </p:nvSpPr>
+        <p:spPr>
+          <a:xfrm rot="16200000">
+            <a:off x="-714272" y="5774776"/>
+            <a:ext cx="1800200" cy="276999"/>
+          </a:xfrm>
+          <a:prstGeom prst="rect">
+            <a:avLst/>
+          </a:prstGeom>
+          <a:noFill/>
+        </p:spPr>
+        <p:txBody>
+          <a:bodyPr wrap="square" rtlCol="0">
+            <a:spAutoFit/>
+          </a:bodyPr>
+          <a:lstStyle/>
+          <a:p>
+            <a:r>
+              <a:rPr lang="pt-BR" sz="1200" dirty="0">
+                <a:solidFill>
+                  <a:schemeClr val="bg2">
+                    <a:lumMod val="50000"/>
+                  </a:schemeClr>
+                </a:solidFill>
+                <a:latin typeface="+mj-lt"/>
+              </a:rPr>
+              <a:t>// Atleta.cpp</a:t>
+            </a:r>
+          </a:p>
+        </p:txBody>
+      </p:sp>
     </p:spTree>
     <p:extLst>
       <p:ext uri="{BB962C8B-B14F-4D97-AF65-F5344CB8AC3E}">
@@ -23828,6 +24252,48 @@
           </a:p>
         </p:txBody>
       </p:sp>
+      <p:sp>
+        <p:nvSpPr>
+          <p:cNvPr id="5" name="CaixaDeTexto 4">
+            <a:extLst>
+              <a:ext uri="{FF2B5EF4-FFF2-40B4-BE49-F238E27FC236}">
+                <a16:creationId xmlns:a16="http://schemas.microsoft.com/office/drawing/2014/main" id="{A528D3D3-06AF-4F26-9972-89D3E636E9DC}"/>
+              </a:ext>
+            </a:extLst>
+          </p:cNvPr>
+          <p:cNvSpPr txBox="1"/>
+          <p:nvPr/>
+        </p:nvSpPr>
+        <p:spPr>
+          <a:xfrm rot="16200000">
+            <a:off x="-714272" y="5774776"/>
+            <a:ext cx="1800200" cy="276999"/>
+          </a:xfrm>
+          <a:prstGeom prst="rect">
+            <a:avLst/>
+          </a:prstGeom>
+          <a:noFill/>
+        </p:spPr>
+        <p:txBody>
+          <a:bodyPr wrap="square" rtlCol="0">
+            <a:spAutoFit/>
+          </a:bodyPr>
+          <a:lstStyle/>
+          <a:p>
+            <a:r>
+              <a:rPr lang="pt-BR" sz="1200" dirty="0">
+                <a:solidFill>
+                  <a:schemeClr val="bg2">
+                    <a:lumMod val="50000"/>
+                  </a:schemeClr>
+                </a:solidFill>
+                <a:latin typeface="+mj-lt"/>
+              </a:rPr>
+              <a:t>// Atleta.cpp</a:t>
+            </a:r>
+          </a:p>
+        </p:txBody>
+      </p:sp>
     </p:spTree>
     <p:extLst>
       <p:ext uri="{BB962C8B-B14F-4D97-AF65-F5344CB8AC3E}">
@@ -24700,6 +25166,48 @@
           </a:p>
         </p:txBody>
       </p:sp>
+      <p:sp>
+        <p:nvSpPr>
+          <p:cNvPr id="5" name="CaixaDeTexto 4">
+            <a:extLst>
+              <a:ext uri="{FF2B5EF4-FFF2-40B4-BE49-F238E27FC236}">
+                <a16:creationId xmlns:a16="http://schemas.microsoft.com/office/drawing/2014/main" id="{919F8125-CB2C-4805-97BF-E37C4C0706D4}"/>
+              </a:ext>
+            </a:extLst>
+          </p:cNvPr>
+          <p:cNvSpPr txBox="1"/>
+          <p:nvPr/>
+        </p:nvSpPr>
+        <p:spPr>
+          <a:xfrm rot="16200000">
+            <a:off x="-714272" y="5774776"/>
+            <a:ext cx="1800200" cy="276999"/>
+          </a:xfrm>
+          <a:prstGeom prst="rect">
+            <a:avLst/>
+          </a:prstGeom>
+          <a:noFill/>
+        </p:spPr>
+        <p:txBody>
+          <a:bodyPr wrap="square" rtlCol="0">
+            <a:spAutoFit/>
+          </a:bodyPr>
+          <a:lstStyle/>
+          <a:p>
+            <a:r>
+              <a:rPr lang="pt-BR" sz="1200" dirty="0">
+                <a:solidFill>
+                  <a:schemeClr val="bg2">
+                    <a:lumMod val="50000"/>
+                  </a:schemeClr>
+                </a:solidFill>
+                <a:latin typeface="+mj-lt"/>
+              </a:rPr>
+              <a:t>// Atleta.cpp</a:t>
+            </a:r>
+          </a:p>
+        </p:txBody>
+      </p:sp>
     </p:spTree>
     <p:extLst>
       <p:ext uri="{BB962C8B-B14F-4D97-AF65-F5344CB8AC3E}">
@@ -25296,13 +25804,8 @@
             </a:r>
             <a:r>
               <a:rPr lang="pt-BR" dirty="0"/>
-              <a:t> para </a:t>
-            </a:r>
-            <a:r>
-              <a:rPr lang="pt-BR"/>
-              <a:t>o ponteiro)</a:t>
-            </a:r>
-            <a:endParaRPr lang="pt-BR" dirty="0"/>
+              <a:t> para o ponteiro)</a:t>
+            </a:r>
           </a:p>
           <a:p>
             <a:pPr lvl="1"/>
@@ -25312,7 +25815,18 @@
             <a:pPr lvl="1"/>
             <a:r>
               <a:rPr lang="pt-BR" dirty="0"/>
-              <a:t>Se o dado é um registro, use um ponteiro ou uma referência</a:t>
+              <a:t>Se o dado é um registro, use um ponteiro ou uma </a:t>
+            </a:r>
+            <a:r>
+              <a:rPr lang="pt-BR" dirty="0">
+                <a:solidFill>
+                  <a:schemeClr val="accent3">
+                    <a:lumMod val="60000"/>
+                    <a:lumOff val="40000"/>
+                  </a:schemeClr>
+                </a:solidFill>
+              </a:rPr>
+              <a:t>referência</a:t>
             </a:r>
             <a:br>
               <a:rPr lang="pt-BR" dirty="0"/>
@@ -25680,7 +26194,7 @@
             <a:pPr lvl="1"/>
             <a:r>
               <a:rPr lang="pt-BR" dirty="0"/>
-              <a:t>Se o dado é tipo básico, use um ponteiro. Isso deixa claro a intenção de modificá-lo</a:t>
+              <a:t>Se o dado é tipo básico, use um ponteiro porque isso deixa claro a intenção de modificá-lo</a:t>
             </a:r>
           </a:p>
           <a:p>
@@ -25702,7 +26216,18 @@
             <a:pPr lvl="1"/>
             <a:r>
               <a:rPr lang="pt-BR" dirty="0"/>
-              <a:t>Se o dado é um registro, use um ponteiro ou uma referência</a:t>
+              <a:t>Se o dado é um registro, use um ponteiro ou uma </a:t>
+            </a:r>
+            <a:r>
+              <a:rPr lang="pt-BR" dirty="0">
+                <a:solidFill>
+                  <a:schemeClr val="accent3">
+                    <a:lumMod val="60000"/>
+                    <a:lumOff val="40000"/>
+                  </a:schemeClr>
+                </a:solidFill>
+              </a:rPr>
+              <a:t>referência</a:t>
             </a:r>
           </a:p>
           <a:p>

--- a/Slides/28. Armazenamento e Referências.pptx
+++ b/Slides/28. Armazenamento e Referências.pptx
@@ -163,7 +163,7 @@
 <file path=ppt/revisionInfo.xml><?xml version="1.0" encoding="utf-8"?>
 <p1510:revInfo xmlns:a="http://schemas.openxmlformats.org/drawingml/2006/main" xmlns:r="http://schemas.openxmlformats.org/officeDocument/2006/relationships" xmlns:p1510="http://schemas.microsoft.com/office/powerpoint/2015/10/main">
   <p1510:revLst>
-    <p1510:client id="{281ED2C4-0987-4465-A3A1-3334B7ADF49F}" v="11" dt="2021-05-31T17:39:08.921"/>
+    <p1510:client id="{281ED2C4-0987-4465-A3A1-3334B7ADF49F}" v="13" dt="2021-06-01T17:51:22.509"/>
   </p1510:revLst>
 </p1510:revInfo>
 </file>
@@ -348,10 +348,17 @@
   <pc:docChgLst>
     <pc:chgData name="Judson Santiago" userId="ebb108da2f256286" providerId="LiveId" clId="{281ED2C4-0987-4465-A3A1-3334B7ADF49F}"/>
     <pc:docChg chg="undo custSel modSld modMainMaster">
-      <pc:chgData name="Judson Santiago" userId="ebb108da2f256286" providerId="LiveId" clId="{281ED2C4-0987-4465-A3A1-3334B7ADF49F}" dt="2021-05-31T17:52:13.223" v="134" actId="207"/>
+      <pc:chgData name="Judson Santiago" userId="ebb108da2f256286" providerId="LiveId" clId="{281ED2C4-0987-4465-A3A1-3334B7ADF49F}" dt="2021-06-01T17:54:29.729" v="392" actId="20577"/>
       <pc:docMkLst>
         <pc:docMk/>
       </pc:docMkLst>
+      <pc:sldChg chg="modNotesTx">
+        <pc:chgData name="Judson Santiago" userId="ebb108da2f256286" providerId="LiveId" clId="{281ED2C4-0987-4465-A3A1-3334B7ADF49F}" dt="2021-06-01T17:54:29.729" v="392" actId="20577"/>
+        <pc:sldMkLst>
+          <pc:docMk/>
+          <pc:sldMk cId="0" sldId="256"/>
+        </pc:sldMkLst>
+      </pc:sldChg>
       <pc:sldChg chg="modSp mod">
         <pc:chgData name="Judson Santiago" userId="ebb108da2f256286" providerId="LiveId" clId="{281ED2C4-0987-4465-A3A1-3334B7ADF49F}" dt="2021-05-31T17:07:51.516" v="6" actId="404"/>
         <pc:sldMkLst>
@@ -1284,7 +1291,7 @@
             <a:fld id="{C316FC6E-831B-4C5E-8751-6BBED6FFBE8E}" type="datetimeFigureOut">
               <a:rPr lang="pt-BR" smtClean="0"/>
               <a:pPr/>
-              <a:t>31/05/2021</a:t>
+              <a:t>01/06/2021</a:t>
             </a:fld>
             <a:endParaRPr lang="pt-BR"/>
           </a:p>
@@ -1598,7 +1605,181 @@
           <a:bodyPr/>
           <a:lstStyle/>
           <a:p>
-            <a:endParaRPr lang="pt-BR" dirty="0"/>
+            <a:pPr marL="171450" marR="0" lvl="0" indent="-171450" algn="l" defTabSz="914400" rtl="0" eaLnBrk="1" fontAlgn="auto" latinLnBrk="0" hangingPunct="1">
+              <a:lnSpc>
+                <a:spcPct val="100000"/>
+              </a:lnSpc>
+              <a:spcBef>
+                <a:spcPts val="0"/>
+              </a:spcBef>
+              <a:spcAft>
+                <a:spcPts val="0"/>
+              </a:spcAft>
+              <a:buClrTx/>
+              <a:buSzTx/>
+              <a:buFontTx/>
+              <a:buChar char="-"/>
+              <a:tabLst/>
+              <a:defRPr/>
+            </a:pPr>
+            <a:r>
+              <a:rPr lang="pt-BR" b="0" i="0" dirty="0">
+                <a:solidFill>
+                  <a:srgbClr val="000000"/>
+                </a:solidFill>
+                <a:effectLst/>
+                <a:latin typeface="Verdana" panose="020B0604030504040204" pitchFamily="34" charset="0"/>
+              </a:rPr>
+              <a:t>Categorias de armazenamento: </a:t>
+            </a:r>
+          </a:p>
+          <a:p>
+            <a:pPr marL="628650" marR="0" lvl="1" indent="-171450" algn="l" defTabSz="914400" rtl="0" eaLnBrk="1" fontAlgn="auto" latinLnBrk="0" hangingPunct="1">
+              <a:lnSpc>
+                <a:spcPct val="100000"/>
+              </a:lnSpc>
+              <a:spcBef>
+                <a:spcPts val="0"/>
+              </a:spcBef>
+              <a:spcAft>
+                <a:spcPts val="0"/>
+              </a:spcAft>
+              <a:buClrTx/>
+              <a:buSzTx/>
+              <a:buFontTx/>
+              <a:buChar char="-"/>
+              <a:tabLst/>
+              <a:defRPr/>
+            </a:pPr>
+            <a:r>
+              <a:rPr lang="pt-BR" b="0" i="0" dirty="0">
+                <a:solidFill>
+                  <a:srgbClr val="000000"/>
+                </a:solidFill>
+                <a:effectLst/>
+                <a:latin typeface="Verdana" panose="020B0604030504040204" pitchFamily="34" charset="0"/>
+              </a:rPr>
+              <a:t>Automático</a:t>
+            </a:r>
+          </a:p>
+          <a:p>
+            <a:pPr marL="628650" marR="0" lvl="1" indent="-171450" algn="l" defTabSz="914400" rtl="0" eaLnBrk="1" fontAlgn="auto" latinLnBrk="0" hangingPunct="1">
+              <a:lnSpc>
+                <a:spcPct val="100000"/>
+              </a:lnSpc>
+              <a:spcBef>
+                <a:spcPts val="0"/>
+              </a:spcBef>
+              <a:spcAft>
+                <a:spcPts val="0"/>
+              </a:spcAft>
+              <a:buClrTx/>
+              <a:buSzTx/>
+              <a:buFontTx/>
+              <a:buChar char="-"/>
+              <a:tabLst/>
+              <a:defRPr/>
+            </a:pPr>
+            <a:r>
+              <a:rPr lang="pt-BR" b="0" i="0" dirty="0">
+                <a:solidFill>
+                  <a:srgbClr val="000000"/>
+                </a:solidFill>
+                <a:effectLst/>
+                <a:latin typeface="Verdana" panose="020B0604030504040204" pitchFamily="34" charset="0"/>
+              </a:rPr>
+              <a:t>Estático</a:t>
+            </a:r>
+          </a:p>
+          <a:p>
+            <a:pPr marL="628650" marR="0" lvl="1" indent="-171450" algn="l" defTabSz="914400" rtl="0" eaLnBrk="1" fontAlgn="auto" latinLnBrk="0" hangingPunct="1">
+              <a:lnSpc>
+                <a:spcPct val="100000"/>
+              </a:lnSpc>
+              <a:spcBef>
+                <a:spcPts val="0"/>
+              </a:spcBef>
+              <a:spcAft>
+                <a:spcPts val="0"/>
+              </a:spcAft>
+              <a:buClrTx/>
+              <a:buSzTx/>
+              <a:buFontTx/>
+              <a:buChar char="-"/>
+              <a:tabLst/>
+              <a:defRPr/>
+            </a:pPr>
+            <a:r>
+              <a:rPr lang="pt-BR" b="0" i="0" dirty="0">
+                <a:solidFill>
+                  <a:srgbClr val="000000"/>
+                </a:solidFill>
+                <a:effectLst/>
+                <a:latin typeface="Verdana" panose="020B0604030504040204" pitchFamily="34" charset="0"/>
+              </a:rPr>
+              <a:t>Dinâmico</a:t>
+            </a:r>
+          </a:p>
+          <a:p>
+            <a:pPr marL="171450" marR="0" lvl="0" indent="-171450" algn="l" defTabSz="914400" rtl="0" eaLnBrk="1" fontAlgn="auto" latinLnBrk="0" hangingPunct="1">
+              <a:lnSpc>
+                <a:spcPct val="100000"/>
+              </a:lnSpc>
+              <a:spcBef>
+                <a:spcPts val="0"/>
+              </a:spcBef>
+              <a:spcAft>
+                <a:spcPts val="0"/>
+              </a:spcAft>
+              <a:buClrTx/>
+              <a:buSzTx/>
+              <a:buFontTx/>
+              <a:buChar char="-"/>
+              <a:tabLst/>
+              <a:defRPr/>
+            </a:pPr>
+            <a:r>
+              <a:rPr lang="pt-BR" b="0" i="0" dirty="0">
+                <a:solidFill>
+                  <a:srgbClr val="000000"/>
+                </a:solidFill>
+                <a:effectLst/>
+                <a:latin typeface="Verdana" panose="020B0604030504040204" pitchFamily="34" charset="0"/>
+              </a:rPr>
+              <a:t>Conhecer os conceitos de escopo e ligação</a:t>
+            </a:r>
+          </a:p>
+          <a:p>
+            <a:pPr marL="171450" indent="-171450">
+              <a:buFontTx/>
+              <a:buChar char="-"/>
+            </a:pPr>
+            <a:r>
+              <a:rPr lang="pt-BR" b="0" i="0" dirty="0">
+                <a:solidFill>
+                  <a:srgbClr val="000000"/>
+                </a:solidFill>
+                <a:effectLst/>
+                <a:latin typeface="Verdana" panose="020B0604030504040204" pitchFamily="34" charset="0"/>
+              </a:rPr>
+              <a:t>Referências e suas aplicações</a:t>
+            </a:r>
+          </a:p>
+          <a:p>
+            <a:pPr marL="171450" indent="-171450">
+              <a:buFontTx/>
+              <a:buChar char="-"/>
+            </a:pPr>
+            <a:r>
+              <a:rPr lang="pt-BR" b="0" i="0" dirty="0">
+                <a:solidFill>
+                  <a:srgbClr val="000000"/>
+                </a:solidFill>
+                <a:effectLst/>
+                <a:latin typeface="Verdana" panose="020B0604030504040204" pitchFamily="34" charset="0"/>
+              </a:rPr>
+              <a:t>Comparação com ponteiros</a:t>
+            </a:r>
           </a:p>
         </p:txBody>
       </p:sp>
@@ -3447,7 +3628,7 @@
             <a:fld id="{D7C55EEC-0318-498A-BF02-D605D7177864}" type="datetimeFigureOut">
               <a:rPr lang="pt-BR" smtClean="0"/>
               <a:pPr/>
-              <a:t>31/05/2021</a:t>
+              <a:t>01/06/2021</a:t>
             </a:fld>
             <a:endParaRPr lang="pt-BR"/>
           </a:p>
@@ -4002,7 +4183,7 @@
             <a:fld id="{D7C55EEC-0318-498A-BF02-D605D7177864}" type="datetimeFigureOut">
               <a:rPr lang="pt-BR" smtClean="0"/>
               <a:pPr/>
-              <a:t>31/05/2021</a:t>
+              <a:t>01/06/2021</a:t>
             </a:fld>
             <a:endParaRPr lang="pt-BR"/>
           </a:p>
@@ -4179,7 +4360,7 @@
             <a:fld id="{D7C55EEC-0318-498A-BF02-D605D7177864}" type="datetimeFigureOut">
               <a:rPr lang="pt-BR" smtClean="0"/>
               <a:pPr/>
-              <a:t>31/05/2021</a:t>
+              <a:t>01/06/2021</a:t>
             </a:fld>
             <a:endParaRPr lang="pt-BR"/>
           </a:p>
@@ -4346,7 +4527,7 @@
             <a:fld id="{D7C55EEC-0318-498A-BF02-D605D7177864}" type="datetimeFigureOut">
               <a:rPr lang="pt-BR" smtClean="0"/>
               <a:pPr/>
-              <a:t>31/05/2021</a:t>
+              <a:t>01/06/2021</a:t>
             </a:fld>
             <a:endParaRPr lang="pt-BR"/>
           </a:p>
@@ -5795,7 +5976,7 @@
             <a:fld id="{D7C55EEC-0318-498A-BF02-D605D7177864}" type="datetimeFigureOut">
               <a:rPr lang="pt-BR" smtClean="0"/>
               <a:pPr/>
-              <a:t>31/05/2021</a:t>
+              <a:t>01/06/2021</a:t>
             </a:fld>
             <a:endParaRPr lang="pt-BR"/>
           </a:p>
@@ -6377,7 +6558,7 @@
             <a:fld id="{D7C55EEC-0318-498A-BF02-D605D7177864}" type="datetimeFigureOut">
               <a:rPr lang="pt-BR" smtClean="0"/>
               <a:pPr/>
-              <a:t>31/05/2021</a:t>
+              <a:t>01/06/2021</a:t>
             </a:fld>
             <a:endParaRPr lang="pt-BR"/>
           </a:p>
@@ -6808,7 +6989,7 @@
             <a:fld id="{D7C55EEC-0318-498A-BF02-D605D7177864}" type="datetimeFigureOut">
               <a:rPr lang="pt-BR" smtClean="0"/>
               <a:pPr/>
-              <a:t>31/05/2021</a:t>
+              <a:t>01/06/2021</a:t>
             </a:fld>
             <a:endParaRPr lang="pt-BR"/>
           </a:p>
@@ -7347,7 +7528,7 @@
             <a:fld id="{D7C55EEC-0318-498A-BF02-D605D7177864}" type="datetimeFigureOut">
               <a:rPr lang="pt-BR" smtClean="0"/>
               <a:pPr/>
-              <a:t>31/05/2021</a:t>
+              <a:t>01/06/2021</a:t>
             </a:fld>
             <a:endParaRPr lang="pt-BR"/>
           </a:p>
@@ -7439,7 +7620,7 @@
             <a:fld id="{D7C55EEC-0318-498A-BF02-D605D7177864}" type="datetimeFigureOut">
               <a:rPr lang="pt-BR" smtClean="0"/>
               <a:pPr/>
-              <a:t>31/05/2021</a:t>
+              <a:t>01/06/2021</a:t>
             </a:fld>
             <a:endParaRPr lang="pt-BR"/>
           </a:p>
@@ -7689,7 +7870,7 @@
             <a:fld id="{D7C55EEC-0318-498A-BF02-D605D7177864}" type="datetimeFigureOut">
               <a:rPr lang="pt-BR" smtClean="0"/>
               <a:pPr/>
-              <a:t>31/05/2021</a:t>
+              <a:t>01/06/2021</a:t>
             </a:fld>
             <a:endParaRPr lang="pt-BR"/>
           </a:p>
@@ -8404,7 +8585,7 @@
             <a:fld id="{D7C55EEC-0318-498A-BF02-D605D7177864}" type="datetimeFigureOut">
               <a:rPr lang="pt-BR" smtClean="0"/>
               <a:pPr/>
-              <a:t>31/05/2021</a:t>
+              <a:t>01/06/2021</a:t>
             </a:fld>
             <a:endParaRPr lang="pt-BR"/>
           </a:p>
@@ -8685,7 +8866,7 @@
             <a:fld id="{D7C55EEC-0318-498A-BF02-D605D7177864}" type="datetimeFigureOut">
               <a:rPr lang="pt-BR" smtClean="0"/>
               <a:pPr/>
-              <a:t>31/05/2021</a:t>
+              <a:t>01/06/2021</a:t>
             </a:fld>
             <a:endParaRPr lang="pt-BR"/>
           </a:p>
